--- a/3. CSS/Slides/CSS Transformation&Animation.pptx
+++ b/3. CSS/Slides/CSS Transformation&Animation.pptx
@@ -270,7 +270,7 @@
           <a:p>
             <a:fld id="{B6D41BCC-AD73-4203-A5A6-E62EB28B0FE6}" type="datetimeFigureOut">
               <a:rPr lang="en-US" smtClean="0"/>
-              <a:t>9/23/2023</a:t>
+              <a:t>10/7/2023</a:t>
             </a:fld>
             <a:endParaRPr lang="en-US"/>
           </a:p>
@@ -478,7 +478,7 @@
           <a:p>
             <a:fld id="{B6D41BCC-AD73-4203-A5A6-E62EB28B0FE6}" type="datetimeFigureOut">
               <a:rPr lang="en-US" smtClean="0"/>
-              <a:t>9/23/2023</a:t>
+              <a:t>10/7/2023</a:t>
             </a:fld>
             <a:endParaRPr lang="en-US"/>
           </a:p>
@@ -686,7 +686,7 @@
           <a:p>
             <a:fld id="{B6D41BCC-AD73-4203-A5A6-E62EB28B0FE6}" type="datetimeFigureOut">
               <a:rPr lang="en-US" smtClean="0"/>
-              <a:t>9/23/2023</a:t>
+              <a:t>10/7/2023</a:t>
             </a:fld>
             <a:endParaRPr lang="en-US"/>
           </a:p>
@@ -894,7 +894,7 @@
           <a:p>
             <a:fld id="{B6D41BCC-AD73-4203-A5A6-E62EB28B0FE6}" type="datetimeFigureOut">
               <a:rPr lang="en-US" smtClean="0"/>
-              <a:t>9/23/2023</a:t>
+              <a:t>10/7/2023</a:t>
             </a:fld>
             <a:endParaRPr lang="en-US"/>
           </a:p>
@@ -1265,7 +1265,7 @@
           <a:p>
             <a:fld id="{B6D41BCC-AD73-4203-A5A6-E62EB28B0FE6}" type="datetimeFigureOut">
               <a:rPr lang="en-US" smtClean="0"/>
-              <a:t>9/23/2023</a:t>
+              <a:t>10/7/2023</a:t>
             </a:fld>
             <a:endParaRPr lang="en-US"/>
           </a:p>
@@ -1535,7 +1535,7 @@
           <a:p>
             <a:fld id="{B6D41BCC-AD73-4203-A5A6-E62EB28B0FE6}" type="datetimeFigureOut">
               <a:rPr lang="en-US" smtClean="0"/>
-              <a:t>9/23/2023</a:t>
+              <a:t>10/7/2023</a:t>
             </a:fld>
             <a:endParaRPr lang="en-US"/>
           </a:p>
@@ -1951,7 +1951,7 @@
           <a:p>
             <a:fld id="{B6D41BCC-AD73-4203-A5A6-E62EB28B0FE6}" type="datetimeFigureOut">
               <a:rPr lang="en-US" smtClean="0"/>
-              <a:t>9/23/2023</a:t>
+              <a:t>10/7/2023</a:t>
             </a:fld>
             <a:endParaRPr lang="en-US"/>
           </a:p>
@@ -2092,7 +2092,7 @@
           <a:p>
             <a:fld id="{B6D41BCC-AD73-4203-A5A6-E62EB28B0FE6}" type="datetimeFigureOut">
               <a:rPr lang="en-US" smtClean="0"/>
-              <a:t>9/23/2023</a:t>
+              <a:t>10/7/2023</a:t>
             </a:fld>
             <a:endParaRPr lang="en-US"/>
           </a:p>
@@ -2205,7 +2205,7 @@
           <a:p>
             <a:fld id="{B6D41BCC-AD73-4203-A5A6-E62EB28B0FE6}" type="datetimeFigureOut">
               <a:rPr lang="en-US" smtClean="0"/>
-              <a:t>9/23/2023</a:t>
+              <a:t>10/7/2023</a:t>
             </a:fld>
             <a:endParaRPr lang="en-US"/>
           </a:p>
@@ -2531,7 +2531,7 @@
           <a:p>
             <a:fld id="{B6D41BCC-AD73-4203-A5A6-E62EB28B0FE6}" type="datetimeFigureOut">
               <a:rPr lang="en-US" smtClean="0"/>
-              <a:t>9/23/2023</a:t>
+              <a:t>10/7/2023</a:t>
             </a:fld>
             <a:endParaRPr lang="en-US"/>
           </a:p>
@@ -2819,7 +2819,7 @@
           <a:p>
             <a:fld id="{B6D41BCC-AD73-4203-A5A6-E62EB28B0FE6}" type="datetimeFigureOut">
               <a:rPr lang="en-US" smtClean="0"/>
-              <a:t>9/23/2023</a:t>
+              <a:t>10/7/2023</a:t>
             </a:fld>
             <a:endParaRPr lang="en-US"/>
           </a:p>
@@ -3059,7 +3059,7 @@
             <a:fld id="{B6D41BCC-AD73-4203-A5A6-E62EB28B0FE6}" type="datetimeFigureOut">
               <a:rPr lang="en-US" smtClean="0"/>
               <a:pPr/>
-              <a:t>9/23/2023</a:t>
+              <a:t>10/7/2023</a:t>
             </a:fld>
             <a:endParaRPr lang="en-US"/>
           </a:p>
@@ -3489,7 +3489,7 @@
                 <a16:creationId xmlns:a16="http://schemas.microsoft.com/office/drawing/2014/main" id="{BE229233-9672-4675-99B7-6CBCEF1CD415}"/>
               </a:ext>
               <a:ext uri="{C183D7F6-B498-43B3-948B-1728B52AA6E4}">
-                <adec:decorative xmlns:adec="http://schemas.microsoft.com/office/drawing/2017/decorative" xmlns="" val="1"/>
+                <adec:decorative xmlns="" xmlns:adec="http://schemas.microsoft.com/office/drawing/2017/decorative" val="1"/>
               </a:ext>
             </a:extLst>
           </p:cNvPr>
@@ -3584,7 +3584,7 @@
                 <a16:creationId xmlns:a16="http://schemas.microsoft.com/office/drawing/2014/main" id="{EC5FF010-B53C-46BE-BEEF-AF926A00F67F}"/>
               </a:ext>
               <a:ext uri="{C183D7F6-B498-43B3-948B-1728B52AA6E4}">
-                <adec:decorative xmlns:adec="http://schemas.microsoft.com/office/drawing/2017/decorative" xmlns="" val="1"/>
+                <adec:decorative xmlns="" xmlns:adec="http://schemas.microsoft.com/office/drawing/2017/decorative" val="1"/>
               </a:ext>
             </a:extLst>
           </p:cNvPr>
@@ -3650,7 +3650,7 @@
                 <a16:creationId xmlns:a16="http://schemas.microsoft.com/office/drawing/2014/main" id="{8509AD9C-1F43-4138-A72B-8CA988EDD475}"/>
               </a:ext>
               <a:ext uri="{C183D7F6-B498-43B3-948B-1728B52AA6E4}">
-                <adec:decorative xmlns:adec="http://schemas.microsoft.com/office/drawing/2017/decorative" xmlns="" val="1"/>
+                <adec:decorative xmlns="" xmlns:adec="http://schemas.microsoft.com/office/drawing/2017/decorative" val="1"/>
               </a:ext>
             </a:extLst>
           </p:cNvPr>
@@ -7239,10 +7239,12 @@
               <a:t>Ressourcen zum Tennismatch: </a:t>
             </a:r>
             <a:r>
-              <a:rPr lang="de-AT" sz="1600" dirty="0">
-                <a:hlinkClick r:id="rId3"/>
-              </a:rPr>
-              <a:t>https://hlqp7w.csb.app/</a:t>
+              <a:rPr lang="de-AT" sz="1600" dirty="0" smtClean="0"/>
+              <a:t>CSS/</a:t>
+            </a:r>
+            <a:r>
+              <a:rPr lang="de-AT" sz="1600" dirty="0" err="1" smtClean="0"/>
+              <a:t>Animations</a:t>
             </a:r>
             <a:endParaRPr lang="de-AT" sz="1600" dirty="0"/>
           </a:p>
